--- a/English/DCAS-14 - Aloïs.pptx
+++ b/English/DCAS-14 - Aloïs.pptx
@@ -36,13 +36,13 @@
     <p:sldId id="346" r:id="rId24"/>
     <p:sldId id="344" r:id="rId25"/>
     <p:sldId id="331" r:id="rId26"/>
-    <p:sldId id="343" r:id="rId27"/>
-    <p:sldId id="335" r:id="rId28"/>
-    <p:sldId id="333" r:id="rId29"/>
-    <p:sldId id="347" r:id="rId30"/>
-    <p:sldId id="348" r:id="rId31"/>
-    <p:sldId id="349" r:id="rId32"/>
-    <p:sldId id="332" r:id="rId33"/>
+    <p:sldId id="333" r:id="rId27"/>
+    <p:sldId id="347" r:id="rId28"/>
+    <p:sldId id="348" r:id="rId29"/>
+    <p:sldId id="349" r:id="rId30"/>
+    <p:sldId id="350" r:id="rId31"/>
+    <p:sldId id="352" r:id="rId32"/>
+    <p:sldId id="353" r:id="rId33"/>
     <p:sldId id="321" r:id="rId34"/>
     <p:sldId id="275" r:id="rId35"/>
   </p:sldIdLst>
@@ -28554,34 +28554,6 @@
           </a:p>
         </p:txBody>
       </p:sp>
-      <p:pic>
-        <p:nvPicPr>
-          <p:cNvPr id="9" name="Picture 8">
-            <a:extLst>
-              <a:ext uri="{FF2B5EF4-FFF2-40B4-BE49-F238E27FC236}">
-                <a16:creationId xmlns:a16="http://schemas.microsoft.com/office/drawing/2014/main" id="{BE971020-1161-4CA9-BE33-A74EB4287491}"/>
-              </a:ext>
-            </a:extLst>
-          </p:cNvPr>
-          <p:cNvPicPr/>
-          <p:nvPr/>
-        </p:nvPicPr>
-        <p:blipFill>
-          <a:blip r:embed="rId2"/>
-          <a:stretch>
-            <a:fillRect/>
-          </a:stretch>
-        </p:blipFill>
-        <p:spPr>
-          <a:xfrm>
-            <a:off x="3374066" y="2011890"/>
-            <a:ext cx="5943600" cy="3752215"/>
-          </a:xfrm>
-          <a:prstGeom prst="rect">
-            <a:avLst/>
-          </a:prstGeom>
-        </p:spPr>
-      </p:pic>
       <p:sp>
         <p:nvSpPr>
           <p:cNvPr id="12" name="Oval 11">
@@ -28754,6 +28726,36 @@
           </a:p>
         </p:txBody>
       </p:sp>
+      <p:pic>
+        <p:nvPicPr>
+          <p:cNvPr id="14" name="Picture 2" descr="A close up of a logo&#10;&#10;Description automatically generated">
+            <a:extLst>
+              <a:ext uri="{FF2B5EF4-FFF2-40B4-BE49-F238E27FC236}">
+                <a16:creationId xmlns:a16="http://schemas.microsoft.com/office/drawing/2014/main" id="{061D5BEF-8AF5-4D4A-8596-1658CD7AAF06}"/>
+              </a:ext>
+            </a:extLst>
+          </p:cNvPr>
+          <p:cNvPicPr>
+            <a:picLocks noChangeAspect="1"/>
+          </p:cNvPicPr>
+          <p:nvPr/>
+        </p:nvPicPr>
+        <p:blipFill>
+          <a:blip r:embed="rId2"/>
+          <a:stretch>
+            <a:fillRect/>
+          </a:stretch>
+        </p:blipFill>
+        <p:spPr>
+          <a:xfrm>
+            <a:off x="2784350" y="2465685"/>
+            <a:ext cx="6646987" cy="2434707"/>
+          </a:xfrm>
+          <a:prstGeom prst="rect">
+            <a:avLst/>
+          </a:prstGeom>
+        </p:spPr>
+      </p:pic>
     </p:spTree>
     <p:extLst>
       <p:ext uri="{BB962C8B-B14F-4D97-AF65-F5344CB8AC3E}">
@@ -31463,9 +31465,9 @@
                     <a:avLst/>
                   </a:prstGeom>
                   <a:solidFill>
-                    <a:schemeClr val="accent1">
-                      <a:lumMod val="40000"/>
-                      <a:lumOff val="60000"/>
+                    <a:schemeClr val="accent3">
+                      <a:lumMod val="20000"/>
+                      <a:lumOff val="80000"/>
                     </a:schemeClr>
                   </a:solidFill>
                   <a:ln>
@@ -31584,10 +31586,7 @@
                     <a:avLst/>
                   </a:prstGeom>
                   <a:solidFill>
-                    <a:schemeClr val="accent1">
-                      <a:lumMod val="40000"/>
-                      <a:lumOff val="60000"/>
-                    </a:schemeClr>
+                    <a:srgbClr val="99FFA0"/>
                   </a:solidFill>
                   <a:ln>
                     <a:solidFill>
@@ -31688,10 +31687,7 @@
                         <a:avLst/>
                       </a:prstGeom>
                       <a:solidFill>
-                        <a:schemeClr val="accent1">
-                          <a:lumMod val="40000"/>
-                          <a:lumOff val="60000"/>
-                        </a:schemeClr>
+                        <a:srgbClr val="99FFA0"/>
                       </a:solidFill>
                       <a:ln>
                         <a:solidFill>
@@ -32084,10 +32080,7 @@
                 <a:avLst/>
               </a:prstGeom>
               <a:solidFill>
-                <a:schemeClr val="accent1">
-                  <a:lumMod val="40000"/>
-                  <a:lumOff val="60000"/>
-                </a:schemeClr>
+                <a:srgbClr val="99FFA0"/>
               </a:solidFill>
               <a:ln>
                 <a:solidFill>
@@ -32183,10 +32176,7 @@
                 <a:avLst/>
               </a:prstGeom>
               <a:solidFill>
-                <a:schemeClr val="accent1">
-                  <a:lumMod val="40000"/>
-                  <a:lumOff val="60000"/>
-                </a:schemeClr>
+                <a:srgbClr val="99FFA0"/>
               </a:solidFill>
               <a:ln>
                 <a:solidFill>
@@ -33229,428 +33219,6 @@
           <p:cNvPr id="2" name="Text Placeholder 1">
             <a:extLst>
               <a:ext uri="{FF2B5EF4-FFF2-40B4-BE49-F238E27FC236}">
-                <a16:creationId xmlns:a16="http://schemas.microsoft.com/office/drawing/2014/main" id="{EC8130E2-7D0D-4093-BB10-122CE2DC624B}"/>
-              </a:ext>
-            </a:extLst>
-          </p:cNvPr>
-          <p:cNvSpPr>
-            <a:spLocks noGrp="1"/>
-          </p:cNvSpPr>
-          <p:nvPr>
-            <p:ph type="body" sz="quarter" idx="14"/>
-          </p:nvPr>
-        </p:nvSpPr>
-        <p:spPr/>
-        <p:txBody>
-          <a:bodyPr/>
-          <a:lstStyle/>
-          <a:p>
-            <a:r>
-              <a:rPr lang="en-US" dirty="0"/>
-              <a:t>Key Parameters</a:t>
-            </a:r>
-          </a:p>
-        </p:txBody>
-      </p:sp>
-      <p:sp>
-        <p:nvSpPr>
-          <p:cNvPr id="3" name="Text Placeholder 2">
-            <a:extLst>
-              <a:ext uri="{FF2B5EF4-FFF2-40B4-BE49-F238E27FC236}">
-                <a16:creationId xmlns:a16="http://schemas.microsoft.com/office/drawing/2014/main" id="{D14FC3EB-E680-4591-B1F6-0B16AAFE6C15}"/>
-              </a:ext>
-            </a:extLst>
-          </p:cNvPr>
-          <p:cNvSpPr>
-            <a:spLocks noGrp="1"/>
-          </p:cNvSpPr>
-          <p:nvPr>
-            <p:ph type="body" sz="quarter" idx="15"/>
-          </p:nvPr>
-        </p:nvSpPr>
-        <p:spPr/>
-        <p:txBody>
-          <a:bodyPr/>
-          <a:lstStyle/>
-          <a:p>
-            <a:endParaRPr lang="en-US" dirty="0"/>
-          </a:p>
-        </p:txBody>
-      </p:sp>
-      <p:sp>
-        <p:nvSpPr>
-          <p:cNvPr id="4" name="Text Placeholder 3">
-            <a:extLst>
-              <a:ext uri="{FF2B5EF4-FFF2-40B4-BE49-F238E27FC236}">
-                <a16:creationId xmlns:a16="http://schemas.microsoft.com/office/drawing/2014/main" id="{D39A8D72-EF4D-482E-9311-D425827E272C}"/>
-              </a:ext>
-            </a:extLst>
-          </p:cNvPr>
-          <p:cNvSpPr>
-            <a:spLocks noGrp="1"/>
-          </p:cNvSpPr>
-          <p:nvPr>
-            <p:ph type="body" sz="quarter" idx="20"/>
-          </p:nvPr>
-        </p:nvSpPr>
-        <p:spPr/>
-        <p:txBody>
-          <a:bodyPr/>
-          <a:lstStyle/>
-          <a:p>
-            <a:endParaRPr lang="en-US"/>
-          </a:p>
-        </p:txBody>
-      </p:sp>
-      <p:sp>
-        <p:nvSpPr>
-          <p:cNvPr id="5" name="Text Placeholder 4">
-            <a:extLst>
-              <a:ext uri="{FF2B5EF4-FFF2-40B4-BE49-F238E27FC236}">
-                <a16:creationId xmlns:a16="http://schemas.microsoft.com/office/drawing/2014/main" id="{C2E5C7E7-BF9D-4208-B1FC-C3B7293CB73E}"/>
-              </a:ext>
-            </a:extLst>
-          </p:cNvPr>
-          <p:cNvSpPr>
-            <a:spLocks noGrp="1"/>
-          </p:cNvSpPr>
-          <p:nvPr>
-            <p:ph type="body" sz="quarter" idx="21"/>
-          </p:nvPr>
-        </p:nvSpPr>
-        <p:spPr/>
-        <p:txBody>
-          <a:bodyPr/>
-          <a:lstStyle/>
-          <a:p>
-            <a:endParaRPr lang="en-US"/>
-          </a:p>
-        </p:txBody>
-      </p:sp>
-      <p:sp>
-        <p:nvSpPr>
-          <p:cNvPr id="6" name="Text Placeholder 5">
-            <a:extLst>
-              <a:ext uri="{FF2B5EF4-FFF2-40B4-BE49-F238E27FC236}">
-                <a16:creationId xmlns:a16="http://schemas.microsoft.com/office/drawing/2014/main" id="{195C4647-FE15-43FA-9996-676882D3AC98}"/>
-              </a:ext>
-            </a:extLst>
-          </p:cNvPr>
-          <p:cNvSpPr>
-            <a:spLocks noGrp="1"/>
-          </p:cNvSpPr>
-          <p:nvPr>
-            <p:ph type="body" sz="quarter" idx="24"/>
-          </p:nvPr>
-        </p:nvSpPr>
-        <p:spPr/>
-        <p:txBody>
-          <a:bodyPr/>
-          <a:lstStyle/>
-          <a:p>
-            <a:endParaRPr lang="en-US"/>
-          </a:p>
-        </p:txBody>
-      </p:sp>
-      <p:sp>
-        <p:nvSpPr>
-          <p:cNvPr id="7" name="Text Placeholder 6">
-            <a:extLst>
-              <a:ext uri="{FF2B5EF4-FFF2-40B4-BE49-F238E27FC236}">
-                <a16:creationId xmlns:a16="http://schemas.microsoft.com/office/drawing/2014/main" id="{F918F764-6D71-45E6-8F0E-57200D5C2626}"/>
-              </a:ext>
-            </a:extLst>
-          </p:cNvPr>
-          <p:cNvSpPr>
-            <a:spLocks noGrp="1"/>
-          </p:cNvSpPr>
-          <p:nvPr>
-            <p:ph type="body" sz="quarter" idx="25"/>
-          </p:nvPr>
-        </p:nvSpPr>
-        <p:spPr/>
-        <p:txBody>
-          <a:bodyPr/>
-          <a:lstStyle/>
-          <a:p>
-            <a:endParaRPr lang="en-US"/>
-          </a:p>
-        </p:txBody>
-      </p:sp>
-      <p:sp>
-        <p:nvSpPr>
-          <p:cNvPr id="8" name="Text Placeholder 7">
-            <a:extLst>
-              <a:ext uri="{FF2B5EF4-FFF2-40B4-BE49-F238E27FC236}">
-                <a16:creationId xmlns:a16="http://schemas.microsoft.com/office/drawing/2014/main" id="{1A81E663-B3F4-410A-944B-E558BB5D4498}"/>
-              </a:ext>
-            </a:extLst>
-          </p:cNvPr>
-          <p:cNvSpPr>
-            <a:spLocks noGrp="1"/>
-          </p:cNvSpPr>
-          <p:nvPr>
-            <p:ph type="body" sz="quarter" idx="22"/>
-          </p:nvPr>
-        </p:nvSpPr>
-        <p:spPr/>
-        <p:txBody>
-          <a:bodyPr/>
-          <a:lstStyle/>
-          <a:p>
-            <a:r>
-              <a:rPr lang="en-US" dirty="0"/>
-              <a:t>Phase 2: IMPLEMENTATION</a:t>
-            </a:r>
-          </a:p>
-        </p:txBody>
-      </p:sp>
-    </p:spTree>
-    <p:extLst>
-      <p:ext uri="{BB962C8B-B14F-4D97-AF65-F5344CB8AC3E}">
-        <p14:creationId xmlns:p14="http://schemas.microsoft.com/office/powerpoint/2010/main" val="3940643231"/>
-      </p:ext>
-    </p:extLst>
-  </p:cSld>
-  <p:clrMapOvr>
-    <a:masterClrMapping/>
-  </p:clrMapOvr>
-</p:sld>
-</file>
-
-<file path=ppt/slides/slide22.xml><?xml version="1.0" encoding="utf-8"?>
-<p:sld xmlns:a="http://schemas.openxmlformats.org/drawingml/2006/main" xmlns:r="http://schemas.openxmlformats.org/officeDocument/2006/relationships" xmlns:p="http://schemas.openxmlformats.org/presentationml/2006/main">
-  <p:cSld>
-    <p:spTree>
-      <p:nvGrpSpPr>
-        <p:cNvPr id="1" name=""/>
-        <p:cNvGrpSpPr/>
-        <p:nvPr/>
-      </p:nvGrpSpPr>
-      <p:grpSpPr>
-        <a:xfrm>
-          <a:off x="0" y="0"/>
-          <a:ext cx="0" cy="0"/>
-          <a:chOff x="0" y="0"/>
-          <a:chExt cx="0" cy="0"/>
-        </a:xfrm>
-      </p:grpSpPr>
-      <p:sp>
-        <p:nvSpPr>
-          <p:cNvPr id="2" name="Text Placeholder 1">
-            <a:extLst>
-              <a:ext uri="{FF2B5EF4-FFF2-40B4-BE49-F238E27FC236}">
-                <a16:creationId xmlns:a16="http://schemas.microsoft.com/office/drawing/2014/main" id="{EC8130E2-7D0D-4093-BB10-122CE2DC624B}"/>
-              </a:ext>
-            </a:extLst>
-          </p:cNvPr>
-          <p:cNvSpPr>
-            <a:spLocks noGrp="1"/>
-          </p:cNvSpPr>
-          <p:nvPr>
-            <p:ph type="body" sz="quarter" idx="14"/>
-          </p:nvPr>
-        </p:nvSpPr>
-        <p:spPr/>
-        <p:txBody>
-          <a:bodyPr/>
-          <a:lstStyle/>
-          <a:p>
-            <a:r>
-              <a:rPr lang="en-US" dirty="0"/>
-              <a:t>Chosen Layers</a:t>
-            </a:r>
-          </a:p>
-        </p:txBody>
-      </p:sp>
-      <p:sp>
-        <p:nvSpPr>
-          <p:cNvPr id="3" name="Text Placeholder 2">
-            <a:extLst>
-              <a:ext uri="{FF2B5EF4-FFF2-40B4-BE49-F238E27FC236}">
-                <a16:creationId xmlns:a16="http://schemas.microsoft.com/office/drawing/2014/main" id="{D14FC3EB-E680-4591-B1F6-0B16AAFE6C15}"/>
-              </a:ext>
-            </a:extLst>
-          </p:cNvPr>
-          <p:cNvSpPr>
-            <a:spLocks noGrp="1"/>
-          </p:cNvSpPr>
-          <p:nvPr>
-            <p:ph type="body" sz="quarter" idx="15"/>
-          </p:nvPr>
-        </p:nvSpPr>
-        <p:spPr/>
-        <p:txBody>
-          <a:bodyPr/>
-          <a:lstStyle/>
-          <a:p>
-            <a:endParaRPr lang="en-US" dirty="0"/>
-          </a:p>
-        </p:txBody>
-      </p:sp>
-      <p:sp>
-        <p:nvSpPr>
-          <p:cNvPr id="4" name="Text Placeholder 3">
-            <a:extLst>
-              <a:ext uri="{FF2B5EF4-FFF2-40B4-BE49-F238E27FC236}">
-                <a16:creationId xmlns:a16="http://schemas.microsoft.com/office/drawing/2014/main" id="{D39A8D72-EF4D-482E-9311-D425827E272C}"/>
-              </a:ext>
-            </a:extLst>
-          </p:cNvPr>
-          <p:cNvSpPr>
-            <a:spLocks noGrp="1"/>
-          </p:cNvSpPr>
-          <p:nvPr>
-            <p:ph type="body" sz="quarter" idx="20"/>
-          </p:nvPr>
-        </p:nvSpPr>
-        <p:spPr/>
-        <p:txBody>
-          <a:bodyPr/>
-          <a:lstStyle/>
-          <a:p>
-            <a:endParaRPr lang="en-US"/>
-          </a:p>
-        </p:txBody>
-      </p:sp>
-      <p:sp>
-        <p:nvSpPr>
-          <p:cNvPr id="5" name="Text Placeholder 4">
-            <a:extLst>
-              <a:ext uri="{FF2B5EF4-FFF2-40B4-BE49-F238E27FC236}">
-                <a16:creationId xmlns:a16="http://schemas.microsoft.com/office/drawing/2014/main" id="{C2E5C7E7-BF9D-4208-B1FC-C3B7293CB73E}"/>
-              </a:ext>
-            </a:extLst>
-          </p:cNvPr>
-          <p:cNvSpPr>
-            <a:spLocks noGrp="1"/>
-          </p:cNvSpPr>
-          <p:nvPr>
-            <p:ph type="body" sz="quarter" idx="21"/>
-          </p:nvPr>
-        </p:nvSpPr>
-        <p:spPr/>
-        <p:txBody>
-          <a:bodyPr/>
-          <a:lstStyle/>
-          <a:p>
-            <a:endParaRPr lang="en-US"/>
-          </a:p>
-        </p:txBody>
-      </p:sp>
-      <p:sp>
-        <p:nvSpPr>
-          <p:cNvPr id="6" name="Text Placeholder 5">
-            <a:extLst>
-              <a:ext uri="{FF2B5EF4-FFF2-40B4-BE49-F238E27FC236}">
-                <a16:creationId xmlns:a16="http://schemas.microsoft.com/office/drawing/2014/main" id="{195C4647-FE15-43FA-9996-676882D3AC98}"/>
-              </a:ext>
-            </a:extLst>
-          </p:cNvPr>
-          <p:cNvSpPr>
-            <a:spLocks noGrp="1"/>
-          </p:cNvSpPr>
-          <p:nvPr>
-            <p:ph type="body" sz="quarter" idx="24"/>
-          </p:nvPr>
-        </p:nvSpPr>
-        <p:spPr/>
-        <p:txBody>
-          <a:bodyPr/>
-          <a:lstStyle/>
-          <a:p>
-            <a:endParaRPr lang="en-US"/>
-          </a:p>
-        </p:txBody>
-      </p:sp>
-      <p:sp>
-        <p:nvSpPr>
-          <p:cNvPr id="7" name="Text Placeholder 6">
-            <a:extLst>
-              <a:ext uri="{FF2B5EF4-FFF2-40B4-BE49-F238E27FC236}">
-                <a16:creationId xmlns:a16="http://schemas.microsoft.com/office/drawing/2014/main" id="{F918F764-6D71-45E6-8F0E-57200D5C2626}"/>
-              </a:ext>
-            </a:extLst>
-          </p:cNvPr>
-          <p:cNvSpPr>
-            <a:spLocks noGrp="1"/>
-          </p:cNvSpPr>
-          <p:nvPr>
-            <p:ph type="body" sz="quarter" idx="25"/>
-          </p:nvPr>
-        </p:nvSpPr>
-        <p:spPr/>
-        <p:txBody>
-          <a:bodyPr/>
-          <a:lstStyle/>
-          <a:p>
-            <a:endParaRPr lang="en-US"/>
-          </a:p>
-        </p:txBody>
-      </p:sp>
-      <p:sp>
-        <p:nvSpPr>
-          <p:cNvPr id="8" name="Text Placeholder 7">
-            <a:extLst>
-              <a:ext uri="{FF2B5EF4-FFF2-40B4-BE49-F238E27FC236}">
-                <a16:creationId xmlns:a16="http://schemas.microsoft.com/office/drawing/2014/main" id="{1A81E663-B3F4-410A-944B-E558BB5D4498}"/>
-              </a:ext>
-            </a:extLst>
-          </p:cNvPr>
-          <p:cNvSpPr>
-            <a:spLocks noGrp="1"/>
-          </p:cNvSpPr>
-          <p:nvPr>
-            <p:ph type="body" sz="quarter" idx="22"/>
-          </p:nvPr>
-        </p:nvSpPr>
-        <p:spPr/>
-        <p:txBody>
-          <a:bodyPr/>
-          <a:lstStyle/>
-          <a:p>
-            <a:r>
-              <a:rPr lang="en-US" dirty="0"/>
-              <a:t>Phase 2: IMPLEMENTATION</a:t>
-            </a:r>
-          </a:p>
-        </p:txBody>
-      </p:sp>
-    </p:spTree>
-    <p:extLst>
-      <p:ext uri="{BB962C8B-B14F-4D97-AF65-F5344CB8AC3E}">
-        <p14:creationId xmlns:p14="http://schemas.microsoft.com/office/powerpoint/2010/main" val="626619775"/>
-      </p:ext>
-    </p:extLst>
-  </p:cSld>
-  <p:clrMapOvr>
-    <a:masterClrMapping/>
-  </p:clrMapOvr>
-</p:sld>
-</file>
-
-<file path=ppt/slides/slide23.xml><?xml version="1.0" encoding="utf-8"?>
-<p:sld xmlns:a="http://schemas.openxmlformats.org/drawingml/2006/main" xmlns:r="http://schemas.openxmlformats.org/officeDocument/2006/relationships" xmlns:p="http://schemas.openxmlformats.org/presentationml/2006/main">
-  <p:cSld>
-    <p:spTree>
-      <p:nvGrpSpPr>
-        <p:cNvPr id="1" name=""/>
-        <p:cNvGrpSpPr/>
-        <p:nvPr/>
-      </p:nvGrpSpPr>
-      <p:grpSpPr>
-        <a:xfrm>
-          <a:off x="0" y="0"/>
-          <a:ext cx="0" cy="0"/>
-          <a:chOff x="0" y="0"/>
-          <a:chExt cx="0" cy="0"/>
-        </a:xfrm>
-      </p:grpSpPr>
-      <p:sp>
-        <p:nvSpPr>
-          <p:cNvPr id="2" name="Text Placeholder 1">
-            <a:extLst>
-              <a:ext uri="{FF2B5EF4-FFF2-40B4-BE49-F238E27FC236}">
                 <a16:creationId xmlns:a16="http://schemas.microsoft.com/office/drawing/2014/main" id="{A07E6EE3-DB4C-421D-A66F-17C4F84BC80F}"/>
               </a:ext>
             </a:extLst>
@@ -33845,7 +33413,7 @@
 </p:sld>
 </file>
 
-<file path=ppt/slides/slide24.xml><?xml version="1.0" encoding="utf-8"?>
+<file path=ppt/slides/slide22.xml><?xml version="1.0" encoding="utf-8"?>
 <p:sld xmlns:a="http://schemas.openxmlformats.org/drawingml/2006/main" xmlns:r="http://schemas.openxmlformats.org/officeDocument/2006/relationships" xmlns:p="http://schemas.openxmlformats.org/presentationml/2006/main">
   <p:cSld>
     <p:spTree>
@@ -34101,7 +33669,7 @@
 </p:sld>
 </file>
 
-<file path=ppt/slides/slide25.xml><?xml version="1.0" encoding="utf-8"?>
+<file path=ppt/slides/slide23.xml><?xml version="1.0" encoding="utf-8"?>
 <p:sld xmlns:a="http://schemas.openxmlformats.org/drawingml/2006/main" xmlns:r="http://schemas.openxmlformats.org/officeDocument/2006/relationships" xmlns:p="http://schemas.openxmlformats.org/presentationml/2006/main">
   <p:cSld>
     <p:spTree>
@@ -34373,7 +33941,7 @@
 </p:sld>
 </file>
 
-<file path=ppt/slides/slide26.xml><?xml version="1.0" encoding="utf-8"?>
+<file path=ppt/slides/slide24.xml><?xml version="1.0" encoding="utf-8"?>
 <p:sld xmlns:a="http://schemas.openxmlformats.org/drawingml/2006/main" xmlns:r="http://schemas.openxmlformats.org/officeDocument/2006/relationships" xmlns:p="http://schemas.openxmlformats.org/presentationml/2006/main">
   <p:cSld>
     <p:spTree>
@@ -34815,6 +34383,388 @@
 </p:sld>
 </file>
 
+<file path=ppt/slides/slide25.xml><?xml version="1.0" encoding="utf-8"?>
+<p:sld xmlns:a="http://schemas.openxmlformats.org/drawingml/2006/main" xmlns:r="http://schemas.openxmlformats.org/officeDocument/2006/relationships" xmlns:p="http://schemas.openxmlformats.org/presentationml/2006/main">
+  <p:cSld>
+    <p:spTree>
+      <p:nvGrpSpPr>
+        <p:cNvPr id="1" name=""/>
+        <p:cNvGrpSpPr/>
+        <p:nvPr/>
+      </p:nvGrpSpPr>
+      <p:grpSpPr>
+        <a:xfrm>
+          <a:off x="0" y="0"/>
+          <a:ext cx="0" cy="0"/>
+          <a:chOff x="0" y="0"/>
+          <a:chExt cx="0" cy="0"/>
+        </a:xfrm>
+      </p:grpSpPr>
+      <p:sp>
+        <p:nvSpPr>
+          <p:cNvPr id="4" name="Text Placeholder 3">
+            <a:extLst>
+              <a:ext uri="{FF2B5EF4-FFF2-40B4-BE49-F238E27FC236}">
+                <a16:creationId xmlns:a16="http://schemas.microsoft.com/office/drawing/2014/main" id="{E511B2CE-3B23-46A3-8DFF-1149A6336A05}"/>
+              </a:ext>
+            </a:extLst>
+          </p:cNvPr>
+          <p:cNvSpPr>
+            <a:spLocks noGrp="1"/>
+          </p:cNvSpPr>
+          <p:nvPr>
+            <p:ph type="body" sz="quarter" idx="20"/>
+          </p:nvPr>
+        </p:nvSpPr>
+        <p:spPr/>
+        <p:txBody>
+          <a:bodyPr/>
+          <a:lstStyle/>
+          <a:p>
+            <a:endParaRPr lang="en-US"/>
+          </a:p>
+        </p:txBody>
+      </p:sp>
+      <p:sp>
+        <p:nvSpPr>
+          <p:cNvPr id="5" name="Text Placeholder 4">
+            <a:extLst>
+              <a:ext uri="{FF2B5EF4-FFF2-40B4-BE49-F238E27FC236}">
+                <a16:creationId xmlns:a16="http://schemas.microsoft.com/office/drawing/2014/main" id="{43082634-F40C-4924-91C9-8594D3AC0A02}"/>
+              </a:ext>
+            </a:extLst>
+          </p:cNvPr>
+          <p:cNvSpPr>
+            <a:spLocks noGrp="1"/>
+          </p:cNvSpPr>
+          <p:nvPr>
+            <p:ph type="body" sz="quarter" idx="21"/>
+          </p:nvPr>
+        </p:nvSpPr>
+        <p:spPr/>
+        <p:txBody>
+          <a:bodyPr/>
+          <a:lstStyle/>
+          <a:p>
+            <a:endParaRPr lang="en-US"/>
+          </a:p>
+        </p:txBody>
+      </p:sp>
+      <p:sp>
+        <p:nvSpPr>
+          <p:cNvPr id="6" name="Text Placeholder 5">
+            <a:extLst>
+              <a:ext uri="{FF2B5EF4-FFF2-40B4-BE49-F238E27FC236}">
+                <a16:creationId xmlns:a16="http://schemas.microsoft.com/office/drawing/2014/main" id="{4AAA3DC5-A8A4-43B7-B81A-390662F5C1EB}"/>
+              </a:ext>
+            </a:extLst>
+          </p:cNvPr>
+          <p:cNvSpPr>
+            <a:spLocks noGrp="1"/>
+          </p:cNvSpPr>
+          <p:nvPr>
+            <p:ph type="body" sz="quarter" idx="24"/>
+          </p:nvPr>
+        </p:nvSpPr>
+        <p:spPr/>
+        <p:txBody>
+          <a:bodyPr/>
+          <a:lstStyle/>
+          <a:p>
+            <a:endParaRPr lang="en-US"/>
+          </a:p>
+        </p:txBody>
+      </p:sp>
+      <p:sp>
+        <p:nvSpPr>
+          <p:cNvPr id="7" name="Text Placeholder 6">
+            <a:extLst>
+              <a:ext uri="{FF2B5EF4-FFF2-40B4-BE49-F238E27FC236}">
+                <a16:creationId xmlns:a16="http://schemas.microsoft.com/office/drawing/2014/main" id="{B6B036A9-4ABB-4A1C-819A-7EAA9F1A3CE5}"/>
+              </a:ext>
+            </a:extLst>
+          </p:cNvPr>
+          <p:cNvSpPr>
+            <a:spLocks noGrp="1"/>
+          </p:cNvSpPr>
+          <p:nvPr>
+            <p:ph type="body" sz="quarter" idx="25"/>
+          </p:nvPr>
+        </p:nvSpPr>
+        <p:spPr/>
+        <p:txBody>
+          <a:bodyPr/>
+          <a:lstStyle/>
+          <a:p>
+            <a:endParaRPr lang="en-US"/>
+          </a:p>
+        </p:txBody>
+      </p:sp>
+      <p:sp>
+        <p:nvSpPr>
+          <p:cNvPr id="8" name="Text Placeholder 7">
+            <a:extLst>
+              <a:ext uri="{FF2B5EF4-FFF2-40B4-BE49-F238E27FC236}">
+                <a16:creationId xmlns:a16="http://schemas.microsoft.com/office/drawing/2014/main" id="{C187E1C7-929F-46ED-AA51-33E5CE57C1B7}"/>
+              </a:ext>
+            </a:extLst>
+          </p:cNvPr>
+          <p:cNvSpPr>
+            <a:spLocks noGrp="1"/>
+          </p:cNvSpPr>
+          <p:nvPr>
+            <p:ph type="body" sz="quarter" idx="22"/>
+          </p:nvPr>
+        </p:nvSpPr>
+        <p:spPr/>
+        <p:txBody>
+          <a:bodyPr/>
+          <a:lstStyle/>
+          <a:p>
+            <a:r>
+              <a:rPr lang="en-US" dirty="0"/>
+              <a:t>Results</a:t>
+            </a:r>
+          </a:p>
+          <a:p>
+            <a:endParaRPr lang="en-US" dirty="0"/>
+          </a:p>
+        </p:txBody>
+      </p:sp>
+      <p:pic>
+        <p:nvPicPr>
+          <p:cNvPr id="10" name="Picture 9" descr="A screenshot of a cell phone&#10;&#10;Description automatically generated">
+            <a:extLst>
+              <a:ext uri="{FF2B5EF4-FFF2-40B4-BE49-F238E27FC236}">
+                <a16:creationId xmlns:a16="http://schemas.microsoft.com/office/drawing/2014/main" id="{D39B02C4-ED3C-4A78-A3D9-A535E5305F1F}"/>
+              </a:ext>
+            </a:extLst>
+          </p:cNvPr>
+          <p:cNvPicPr>
+            <a:picLocks noChangeAspect="1"/>
+          </p:cNvPicPr>
+          <p:nvPr/>
+        </p:nvPicPr>
+        <p:blipFill>
+          <a:blip r:embed="rId2"/>
+          <a:stretch>
+            <a:fillRect/>
+          </a:stretch>
+        </p:blipFill>
+        <p:spPr>
+          <a:xfrm>
+            <a:off x="1001420" y="1547177"/>
+            <a:ext cx="8058319" cy="4520193"/>
+          </a:xfrm>
+          <a:prstGeom prst="rect">
+            <a:avLst/>
+          </a:prstGeom>
+        </p:spPr>
+      </p:pic>
+    </p:spTree>
+    <p:extLst>
+      <p:ext uri="{BB962C8B-B14F-4D97-AF65-F5344CB8AC3E}">
+        <p14:creationId xmlns:p14="http://schemas.microsoft.com/office/powerpoint/2010/main" val="2597659135"/>
+      </p:ext>
+    </p:extLst>
+  </p:cSld>
+  <p:clrMapOvr>
+    <a:masterClrMapping/>
+  </p:clrMapOvr>
+</p:sld>
+</file>
+
+<file path=ppt/slides/slide26.xml><?xml version="1.0" encoding="utf-8"?>
+<p:sld xmlns:a="http://schemas.openxmlformats.org/drawingml/2006/main" xmlns:r="http://schemas.openxmlformats.org/officeDocument/2006/relationships" xmlns:p="http://schemas.openxmlformats.org/presentationml/2006/main">
+  <p:cSld>
+    <p:spTree>
+      <p:nvGrpSpPr>
+        <p:cNvPr id="1" name=""/>
+        <p:cNvGrpSpPr/>
+        <p:nvPr/>
+      </p:nvGrpSpPr>
+      <p:grpSpPr>
+        <a:xfrm>
+          <a:off x="0" y="0"/>
+          <a:ext cx="0" cy="0"/>
+          <a:chOff x="0" y="0"/>
+          <a:chExt cx="0" cy="0"/>
+        </a:xfrm>
+      </p:grpSpPr>
+      <p:sp>
+        <p:nvSpPr>
+          <p:cNvPr id="4" name="Text Placeholder 3">
+            <a:extLst>
+              <a:ext uri="{FF2B5EF4-FFF2-40B4-BE49-F238E27FC236}">
+                <a16:creationId xmlns:a16="http://schemas.microsoft.com/office/drawing/2014/main" id="{4F9C8BED-E3FC-42F6-ABCC-F6717A788CD8}"/>
+              </a:ext>
+            </a:extLst>
+          </p:cNvPr>
+          <p:cNvSpPr>
+            <a:spLocks noGrp="1"/>
+          </p:cNvSpPr>
+          <p:nvPr>
+            <p:ph type="body" sz="quarter" idx="20"/>
+          </p:nvPr>
+        </p:nvSpPr>
+        <p:spPr/>
+        <p:txBody>
+          <a:bodyPr/>
+          <a:lstStyle/>
+          <a:p>
+            <a:endParaRPr lang="en-US"/>
+          </a:p>
+        </p:txBody>
+      </p:sp>
+      <p:sp>
+        <p:nvSpPr>
+          <p:cNvPr id="5" name="Text Placeholder 4">
+            <a:extLst>
+              <a:ext uri="{FF2B5EF4-FFF2-40B4-BE49-F238E27FC236}">
+                <a16:creationId xmlns:a16="http://schemas.microsoft.com/office/drawing/2014/main" id="{9F514053-84A0-4817-82A6-CEF4FCEA0C3E}"/>
+              </a:ext>
+            </a:extLst>
+          </p:cNvPr>
+          <p:cNvSpPr>
+            <a:spLocks noGrp="1"/>
+          </p:cNvSpPr>
+          <p:nvPr>
+            <p:ph type="body" sz="quarter" idx="21"/>
+          </p:nvPr>
+        </p:nvSpPr>
+        <p:spPr/>
+        <p:txBody>
+          <a:bodyPr/>
+          <a:lstStyle/>
+          <a:p>
+            <a:endParaRPr lang="en-US"/>
+          </a:p>
+        </p:txBody>
+      </p:sp>
+      <p:sp>
+        <p:nvSpPr>
+          <p:cNvPr id="6" name="Text Placeholder 5">
+            <a:extLst>
+              <a:ext uri="{FF2B5EF4-FFF2-40B4-BE49-F238E27FC236}">
+                <a16:creationId xmlns:a16="http://schemas.microsoft.com/office/drawing/2014/main" id="{4F7E7649-463B-4936-A1A2-C759E8E8D045}"/>
+              </a:ext>
+            </a:extLst>
+          </p:cNvPr>
+          <p:cNvSpPr>
+            <a:spLocks noGrp="1"/>
+          </p:cNvSpPr>
+          <p:nvPr>
+            <p:ph type="body" sz="quarter" idx="24"/>
+          </p:nvPr>
+        </p:nvSpPr>
+        <p:spPr/>
+        <p:txBody>
+          <a:bodyPr/>
+          <a:lstStyle/>
+          <a:p>
+            <a:endParaRPr lang="en-US"/>
+          </a:p>
+        </p:txBody>
+      </p:sp>
+      <p:sp>
+        <p:nvSpPr>
+          <p:cNvPr id="7" name="Text Placeholder 6">
+            <a:extLst>
+              <a:ext uri="{FF2B5EF4-FFF2-40B4-BE49-F238E27FC236}">
+                <a16:creationId xmlns:a16="http://schemas.microsoft.com/office/drawing/2014/main" id="{3C188FE2-8E71-458A-AB86-96E8C18DF80D}"/>
+              </a:ext>
+            </a:extLst>
+          </p:cNvPr>
+          <p:cNvSpPr>
+            <a:spLocks noGrp="1"/>
+          </p:cNvSpPr>
+          <p:nvPr>
+            <p:ph type="body" sz="quarter" idx="25"/>
+          </p:nvPr>
+        </p:nvSpPr>
+        <p:spPr/>
+        <p:txBody>
+          <a:bodyPr/>
+          <a:lstStyle/>
+          <a:p>
+            <a:endParaRPr lang="en-US"/>
+          </a:p>
+        </p:txBody>
+      </p:sp>
+      <p:sp>
+        <p:nvSpPr>
+          <p:cNvPr id="8" name="Text Placeholder 7">
+            <a:extLst>
+              <a:ext uri="{FF2B5EF4-FFF2-40B4-BE49-F238E27FC236}">
+                <a16:creationId xmlns:a16="http://schemas.microsoft.com/office/drawing/2014/main" id="{73E5EEF2-B599-46B6-8EFA-233E76044C31}"/>
+              </a:ext>
+            </a:extLst>
+          </p:cNvPr>
+          <p:cNvSpPr>
+            <a:spLocks noGrp="1"/>
+          </p:cNvSpPr>
+          <p:nvPr>
+            <p:ph type="body" sz="quarter" idx="22"/>
+          </p:nvPr>
+        </p:nvSpPr>
+        <p:spPr/>
+        <p:txBody>
+          <a:bodyPr/>
+          <a:lstStyle/>
+          <a:p>
+            <a:r>
+              <a:rPr lang="en-US" dirty="0"/>
+              <a:t>Results</a:t>
+            </a:r>
+          </a:p>
+          <a:p>
+            <a:endParaRPr lang="en-US" dirty="0"/>
+          </a:p>
+        </p:txBody>
+      </p:sp>
+      <p:pic>
+        <p:nvPicPr>
+          <p:cNvPr id="9" name="Picture 8" descr="A picture containing vector graphics&#10;&#10;Description automatically generated">
+            <a:extLst>
+              <a:ext uri="{FF2B5EF4-FFF2-40B4-BE49-F238E27FC236}">
+                <a16:creationId xmlns:a16="http://schemas.microsoft.com/office/drawing/2014/main" id="{0951D891-C24A-0C4E-A6C5-0AE77401407A}"/>
+              </a:ext>
+            </a:extLst>
+          </p:cNvPr>
+          <p:cNvPicPr>
+            <a:picLocks noChangeAspect="1"/>
+          </p:cNvPicPr>
+          <p:nvPr/>
+        </p:nvPicPr>
+        <p:blipFill>
+          <a:blip r:embed="rId2"/>
+          <a:stretch>
+            <a:fillRect/>
+          </a:stretch>
+        </p:blipFill>
+        <p:spPr>
+          <a:xfrm>
+            <a:off x="309600" y="1539232"/>
+            <a:ext cx="4350936" cy="4350936"/>
+          </a:xfrm>
+          <a:prstGeom prst="rect">
+            <a:avLst/>
+          </a:prstGeom>
+        </p:spPr>
+      </p:pic>
+    </p:spTree>
+    <p:extLst>
+      <p:ext uri="{BB962C8B-B14F-4D97-AF65-F5344CB8AC3E}">
+        <p14:creationId xmlns:p14="http://schemas.microsoft.com/office/powerpoint/2010/main" val="1352471413"/>
+      </p:ext>
+    </p:extLst>
+  </p:cSld>
+  <p:clrMapOvr>
+    <a:masterClrMapping/>
+  </p:clrMapOvr>
+</p:sld>
+</file>
+
 <file path=ppt/slides/slide27.xml><?xml version="1.0" encoding="utf-8"?>
 <p:sld xmlns:a="http://schemas.openxmlformats.org/drawingml/2006/main" xmlns:r="http://schemas.openxmlformats.org/officeDocument/2006/relationships" xmlns:p="http://schemas.openxmlformats.org/presentationml/2006/main">
   <p:cSld>
@@ -34834,60 +34784,10 @@
       </p:grpSpPr>
       <p:sp>
         <p:nvSpPr>
-          <p:cNvPr id="2" name="Text Placeholder 1">
-            <a:extLst>
-              <a:ext uri="{FF2B5EF4-FFF2-40B4-BE49-F238E27FC236}">
-                <a16:creationId xmlns:a16="http://schemas.microsoft.com/office/drawing/2014/main" id="{115456BC-32FA-457D-AF82-5B18DF2B0779}"/>
-              </a:ext>
-            </a:extLst>
-          </p:cNvPr>
-          <p:cNvSpPr>
-            <a:spLocks noGrp="1"/>
-          </p:cNvSpPr>
-          <p:nvPr>
-            <p:ph type="body" sz="quarter" idx="14"/>
-          </p:nvPr>
-        </p:nvSpPr>
-        <p:spPr/>
-        <p:txBody>
-          <a:bodyPr/>
-          <a:lstStyle/>
-          <a:p>
-            <a:endParaRPr lang="en-US"/>
-          </a:p>
-        </p:txBody>
-      </p:sp>
-      <p:sp>
-        <p:nvSpPr>
-          <p:cNvPr id="3" name="Text Placeholder 2">
-            <a:extLst>
-              <a:ext uri="{FF2B5EF4-FFF2-40B4-BE49-F238E27FC236}">
-                <a16:creationId xmlns:a16="http://schemas.microsoft.com/office/drawing/2014/main" id="{78E03730-93B8-4EE8-A3E4-77CE9002E7C9}"/>
-              </a:ext>
-            </a:extLst>
-          </p:cNvPr>
-          <p:cNvSpPr>
-            <a:spLocks noGrp="1"/>
-          </p:cNvSpPr>
-          <p:nvPr>
-            <p:ph type="body" sz="quarter" idx="15"/>
-          </p:nvPr>
-        </p:nvSpPr>
-        <p:spPr/>
-        <p:txBody>
-          <a:bodyPr/>
-          <a:lstStyle/>
-          <a:p>
-            <a:endParaRPr lang="en-US"/>
-          </a:p>
-        </p:txBody>
-      </p:sp>
-      <p:sp>
-        <p:nvSpPr>
           <p:cNvPr id="4" name="Text Placeholder 3">
             <a:extLst>
               <a:ext uri="{FF2B5EF4-FFF2-40B4-BE49-F238E27FC236}">
-                <a16:creationId xmlns:a16="http://schemas.microsoft.com/office/drawing/2014/main" id="{E511B2CE-3B23-46A3-8DFF-1149A6336A05}"/>
+                <a16:creationId xmlns:a16="http://schemas.microsoft.com/office/drawing/2014/main" id="{4F9C8BED-E3FC-42F6-ABCC-F6717A788CD8}"/>
               </a:ext>
             </a:extLst>
           </p:cNvPr>
@@ -34912,7 +34812,7 @@
           <p:cNvPr id="5" name="Text Placeholder 4">
             <a:extLst>
               <a:ext uri="{FF2B5EF4-FFF2-40B4-BE49-F238E27FC236}">
-                <a16:creationId xmlns:a16="http://schemas.microsoft.com/office/drawing/2014/main" id="{43082634-F40C-4924-91C9-8594D3AC0A02}"/>
+                <a16:creationId xmlns:a16="http://schemas.microsoft.com/office/drawing/2014/main" id="{9F514053-84A0-4817-82A6-CEF4FCEA0C3E}"/>
               </a:ext>
             </a:extLst>
           </p:cNvPr>
@@ -34937,7 +34837,7 @@
           <p:cNvPr id="6" name="Text Placeholder 5">
             <a:extLst>
               <a:ext uri="{FF2B5EF4-FFF2-40B4-BE49-F238E27FC236}">
-                <a16:creationId xmlns:a16="http://schemas.microsoft.com/office/drawing/2014/main" id="{4AAA3DC5-A8A4-43B7-B81A-390662F5C1EB}"/>
+                <a16:creationId xmlns:a16="http://schemas.microsoft.com/office/drawing/2014/main" id="{4F7E7649-463B-4936-A1A2-C759E8E8D045}"/>
               </a:ext>
             </a:extLst>
           </p:cNvPr>
@@ -34962,7 +34862,7 @@
           <p:cNvPr id="7" name="Text Placeholder 6">
             <a:extLst>
               <a:ext uri="{FF2B5EF4-FFF2-40B4-BE49-F238E27FC236}">
-                <a16:creationId xmlns:a16="http://schemas.microsoft.com/office/drawing/2014/main" id="{B6B036A9-4ABB-4A1C-819A-7EAA9F1A3CE5}"/>
+                <a16:creationId xmlns:a16="http://schemas.microsoft.com/office/drawing/2014/main" id="{3C188FE2-8E71-458A-AB86-96E8C18DF80D}"/>
               </a:ext>
             </a:extLst>
           </p:cNvPr>
@@ -34987,7 +34887,7 @@
           <p:cNvPr id="8" name="Text Placeholder 7">
             <a:extLst>
               <a:ext uri="{FF2B5EF4-FFF2-40B4-BE49-F238E27FC236}">
-                <a16:creationId xmlns:a16="http://schemas.microsoft.com/office/drawing/2014/main" id="{C187E1C7-929F-46ED-AA51-33E5CE57C1B7}"/>
+                <a16:creationId xmlns:a16="http://schemas.microsoft.com/office/drawing/2014/main" id="{73E5EEF2-B599-46B6-8EFA-233E76044C31}"/>
               </a:ext>
             </a:extLst>
           </p:cNvPr>
@@ -35005,7 +34905,7 @@
           <a:p>
             <a:r>
               <a:rPr lang="en-US" dirty="0"/>
-              <a:t>RESULTS</a:t>
+              <a:t>Results</a:t>
             </a:r>
           </a:p>
           <a:p>
@@ -35013,10 +34913,74 @@
           </a:p>
         </p:txBody>
       </p:sp>
+      <p:pic>
+        <p:nvPicPr>
+          <p:cNvPr id="10" name="Picture 9" descr="A picture containing vector graphics&#10;&#10;Description automatically generated">
+            <a:extLst>
+              <a:ext uri="{FF2B5EF4-FFF2-40B4-BE49-F238E27FC236}">
+                <a16:creationId xmlns:a16="http://schemas.microsoft.com/office/drawing/2014/main" id="{55B70B89-C45F-4011-A0DA-6692604A6F97}"/>
+              </a:ext>
+            </a:extLst>
+          </p:cNvPr>
+          <p:cNvPicPr>
+            <a:picLocks noChangeAspect="1"/>
+          </p:cNvPicPr>
+          <p:nvPr/>
+        </p:nvPicPr>
+        <p:blipFill>
+          <a:blip r:embed="rId2">
+            <a:alphaModFix/>
+          </a:blip>
+          <a:stretch>
+            <a:fillRect/>
+          </a:stretch>
+        </p:blipFill>
+        <p:spPr>
+          <a:xfrm>
+            <a:off x="5371200" y="1540800"/>
+            <a:ext cx="4350936" cy="4350936"/>
+          </a:xfrm>
+          <a:prstGeom prst="rect">
+            <a:avLst/>
+          </a:prstGeom>
+        </p:spPr>
+      </p:pic>
+      <p:pic>
+        <p:nvPicPr>
+          <p:cNvPr id="9" name="Picture 8" descr="A picture containing vector graphics&#10;&#10;Description automatically generated">
+            <a:extLst>
+              <a:ext uri="{FF2B5EF4-FFF2-40B4-BE49-F238E27FC236}">
+                <a16:creationId xmlns:a16="http://schemas.microsoft.com/office/drawing/2014/main" id="{BA4166CB-BB98-42E0-B731-895DE9AE3C4A}"/>
+              </a:ext>
+            </a:extLst>
+          </p:cNvPr>
+          <p:cNvPicPr>
+            <a:picLocks noChangeAspect="1"/>
+          </p:cNvPicPr>
+          <p:nvPr/>
+        </p:nvPicPr>
+        <p:blipFill>
+          <a:blip r:embed="rId3">
+            <a:alphaModFix amt="35000"/>
+          </a:blip>
+          <a:stretch>
+            <a:fillRect/>
+          </a:stretch>
+        </p:blipFill>
+        <p:spPr>
+          <a:xfrm>
+            <a:off x="309600" y="1539232"/>
+            <a:ext cx="4350936" cy="4350936"/>
+          </a:xfrm>
+          <a:prstGeom prst="rect">
+            <a:avLst/>
+          </a:prstGeom>
+        </p:spPr>
+      </p:pic>
     </p:spTree>
     <p:extLst>
       <p:ext uri="{BB962C8B-B14F-4D97-AF65-F5344CB8AC3E}">
-        <p14:creationId xmlns:p14="http://schemas.microsoft.com/office/powerpoint/2010/main" val="605581973"/>
+        <p14:creationId xmlns:p14="http://schemas.microsoft.com/office/powerpoint/2010/main" val="2919320140"/>
       </p:ext>
     </p:extLst>
   </p:cSld>
@@ -37100,46 +37064,6 @@
           </a:p>
         </p:txBody>
       </p:sp>
-      <p:pic>
-        <p:nvPicPr>
-          <p:cNvPr id="9" name="Picture 8">
-            <a:extLst>
-              <a:ext uri="{FF2B5EF4-FFF2-40B4-BE49-F238E27FC236}">
-                <a16:creationId xmlns:a16="http://schemas.microsoft.com/office/drawing/2014/main" id="{BE971020-1161-4CA9-BE33-A74EB4287491}"/>
-              </a:ext>
-            </a:extLst>
-          </p:cNvPr>
-          <p:cNvPicPr/>
-          <p:nvPr/>
-        </p:nvPicPr>
-        <p:blipFill>
-          <a:blip r:embed="rId2">
-            <a:extLst>
-              <a:ext uri="{BEBA8EAE-BF5A-486C-A8C5-ECC9F3942E4B}">
-                <a14:imgProps xmlns:a14="http://schemas.microsoft.com/office/drawing/2010/main">
-                  <a14:imgLayer r:embed="rId3">
-                    <a14:imgEffect>
-                      <a14:sharpenSoften amount="50000"/>
-                    </a14:imgEffect>
-                  </a14:imgLayer>
-                </a14:imgProps>
-              </a:ext>
-            </a:extLst>
-          </a:blip>
-          <a:stretch>
-            <a:fillRect/>
-          </a:stretch>
-        </p:blipFill>
-        <p:spPr>
-          <a:xfrm>
-            <a:off x="3374066" y="2011890"/>
-            <a:ext cx="5943600" cy="3752215"/>
-          </a:xfrm>
-          <a:prstGeom prst="rect">
-            <a:avLst/>
-          </a:prstGeom>
-        </p:spPr>
-      </p:pic>
       <p:sp>
         <p:nvSpPr>
           <p:cNvPr id="12" name="Oval 11">
@@ -37326,6 +37250,36 @@
           </a:p>
         </p:txBody>
       </p:sp>
+      <p:pic>
+        <p:nvPicPr>
+          <p:cNvPr id="11" name="Picture 2" descr="A close up of a logo&#10;&#10;Description automatically generated">
+            <a:extLst>
+              <a:ext uri="{FF2B5EF4-FFF2-40B4-BE49-F238E27FC236}">
+                <a16:creationId xmlns:a16="http://schemas.microsoft.com/office/drawing/2014/main" id="{BDA1C96F-204B-DE43-8C76-3A2AA806805D}"/>
+              </a:ext>
+            </a:extLst>
+          </p:cNvPr>
+          <p:cNvPicPr>
+            <a:picLocks noChangeAspect="1"/>
+          </p:cNvPicPr>
+          <p:nvPr/>
+        </p:nvPicPr>
+        <p:blipFill>
+          <a:blip r:embed="rId2"/>
+          <a:stretch>
+            <a:fillRect/>
+          </a:stretch>
+        </p:blipFill>
+        <p:spPr>
+          <a:xfrm>
+            <a:off x="2784350" y="2465685"/>
+            <a:ext cx="6646987" cy="2434707"/>
+          </a:xfrm>
+          <a:prstGeom prst="rect">
+            <a:avLst/>
+          </a:prstGeom>
+        </p:spPr>
+      </p:pic>
     </p:spTree>
     <p:extLst>
       <p:ext uri="{BB962C8B-B14F-4D97-AF65-F5344CB8AC3E}">
